--- a/Presentation approche.pptx
+++ b/Presentation approche.pptx
@@ -25,7 +25,7 @@
     <p:sldId id="309" r:id="rId16"/>
     <p:sldId id="352" r:id="rId17"/>
     <p:sldId id="354" r:id="rId18"/>
-    <p:sldId id="353" r:id="rId19"/>
+    <p:sldId id="355" r:id="rId19"/>
     <p:sldId id="322" r:id="rId20"/>
     <p:sldId id="332" r:id="rId21"/>
   </p:sldIdLst>
@@ -216,7 +216,7 @@
           <a:p>
             <a:fld id="{374871D8-A837-4CA6-89C1-75D8B10880EE}" type="datetimeFigureOut">
               <a:rPr lang="en-GB" smtClean="0"/>
-              <a:t>24/10/2023</a:t>
+              <a:t>29/10/2023</a:t>
             </a:fld>
             <a:endParaRPr lang="en-GB"/>
           </a:p>
@@ -731,7 +731,7 @@
           <a:p>
             <a:fld id="{38698ED7-0D61-42ED-9A01-6C22791D88DA}" type="datetime1">
               <a:rPr lang="fr-FR" smtClean="0"/>
-              <a:t>24/10/2023</a:t>
+              <a:t>29/10/2023</a:t>
             </a:fld>
             <a:endParaRPr lang="fr-FR"/>
           </a:p>
@@ -901,7 +901,7 @@
           <a:p>
             <a:fld id="{36DCFAA6-4445-401F-A8F8-DCF484320CE8}" type="datetime1">
               <a:rPr lang="fr-FR" smtClean="0"/>
-              <a:t>24/10/2023</a:t>
+              <a:t>29/10/2023</a:t>
             </a:fld>
             <a:endParaRPr lang="fr-FR"/>
           </a:p>
@@ -1081,7 +1081,7 @@
           <a:p>
             <a:fld id="{44596DEC-A58B-4AE4-9975-876C1197C82E}" type="datetime1">
               <a:rPr lang="fr-FR" smtClean="0"/>
-              <a:t>24/10/2023</a:t>
+              <a:t>29/10/2023</a:t>
             </a:fld>
             <a:endParaRPr lang="fr-FR"/>
           </a:p>
@@ -1251,7 +1251,7 @@
           <a:p>
             <a:fld id="{17BFE476-FA21-4E61-B837-2C22EDDC83A1}" type="datetime1">
               <a:rPr lang="fr-FR" smtClean="0"/>
-              <a:t>24/10/2023</a:t>
+              <a:t>29/10/2023</a:t>
             </a:fld>
             <a:endParaRPr lang="fr-FR"/>
           </a:p>
@@ -1519,7 +1519,7 @@
           <a:p>
             <a:fld id="{C4D332BE-DA81-4FD2-BB1C-3FDE967D387F}" type="datetime1">
               <a:rPr lang="fr-FR" smtClean="0"/>
-              <a:t>24/10/2023</a:t>
+              <a:t>29/10/2023</a:t>
             </a:fld>
             <a:endParaRPr lang="fr-FR"/>
           </a:p>
@@ -1751,7 +1751,7 @@
           <a:p>
             <a:fld id="{D20031A6-E60D-4BCD-8821-00FC0C742938}" type="datetime1">
               <a:rPr lang="fr-FR" smtClean="0"/>
-              <a:t>24/10/2023</a:t>
+              <a:t>29/10/2023</a:t>
             </a:fld>
             <a:endParaRPr lang="fr-FR"/>
           </a:p>
@@ -2110,7 +2110,7 @@
           <a:p>
             <a:fld id="{4DA026E0-3F29-42E8-AE3D-5A85D4D6428B}" type="datetime1">
               <a:rPr lang="fr-FR" smtClean="0"/>
-              <a:t>24/10/2023</a:t>
+              <a:t>29/10/2023</a:t>
             </a:fld>
             <a:endParaRPr lang="fr-FR"/>
           </a:p>
@@ -2251,7 +2251,7 @@
           <a:p>
             <a:fld id="{83E44B95-A265-461F-8125-98AC61D7C1BE}" type="datetime1">
               <a:rPr lang="fr-FR" smtClean="0"/>
-              <a:t>24/10/2023</a:t>
+              <a:t>29/10/2023</a:t>
             </a:fld>
             <a:endParaRPr lang="fr-FR"/>
           </a:p>
@@ -2346,7 +2346,7 @@
           <a:p>
             <a:fld id="{B55B008F-93C3-4803-9EA2-C109ABCB02D3}" type="datetime1">
               <a:rPr lang="fr-FR" smtClean="0"/>
-              <a:t>24/10/2023</a:t>
+              <a:t>29/10/2023</a:t>
             </a:fld>
             <a:endParaRPr lang="fr-FR"/>
           </a:p>
@@ -2703,7 +2703,7 @@
           <a:p>
             <a:fld id="{C25B5D43-31D8-419D-B990-36F515E0E1D2}" type="datetime1">
               <a:rPr lang="fr-FR" smtClean="0"/>
-              <a:t>24/10/2023</a:t>
+              <a:t>29/10/2023</a:t>
             </a:fld>
             <a:endParaRPr lang="fr-FR"/>
           </a:p>
@@ -3060,7 +3060,7 @@
           <a:p>
             <a:fld id="{26D04C6F-E22D-4DCC-B4BA-1A1B958EA5AB}" type="datetime1">
               <a:rPr lang="fr-FR" smtClean="0"/>
-              <a:t>24/10/2023</a:t>
+              <a:t>29/10/2023</a:t>
             </a:fld>
             <a:endParaRPr lang="fr-FR"/>
           </a:p>
@@ -3302,7 +3302,7 @@
           <a:p>
             <a:fld id="{00AC7EA7-1792-4401-B522-2313D19712A0}" type="datetime1">
               <a:rPr lang="fr-FR" smtClean="0"/>
-              <a:t>24/10/2023</a:t>
+              <a:t>29/10/2023</a:t>
             </a:fld>
             <a:endParaRPr lang="fr-FR"/>
           </a:p>
@@ -9448,44 +9448,10 @@
       </p:grpSpPr>
       <p:sp>
         <p:nvSpPr>
-          <p:cNvPr id="4" name="Espace réservé du numéro de diapositive 3">
-            <a:extLst>
-              <a:ext uri="{FF2B5EF4-FFF2-40B4-BE49-F238E27FC236}">
-                <a16:creationId xmlns:a16="http://schemas.microsoft.com/office/drawing/2014/main" id="{58881715-530B-9E23-E103-E423BA16CCC0}"/>
-              </a:ext>
-            </a:extLst>
-          </p:cNvPr>
-          <p:cNvSpPr>
-            <a:spLocks noGrp="1"/>
-          </p:cNvSpPr>
-          <p:nvPr>
-            <p:ph type="sldNum" sz="quarter" idx="12"/>
-          </p:nvPr>
-        </p:nvSpPr>
-        <p:spPr>
-          <a:xfrm>
-            <a:off x="11205488" y="6228552"/>
-            <a:ext cx="304313" cy="323557"/>
-          </a:xfrm>
-        </p:spPr>
-        <p:txBody>
-          <a:bodyPr/>
-          <a:lstStyle/>
-          <a:p>
-            <a:fld id="{DCBB7FA5-5CC9-4C33-A4D0-C258736BA67A}" type="slidenum">
-              <a:rPr lang="fr-FR" smtClean="0"/>
-              <a:t>18</a:t>
-            </a:fld>
-            <a:endParaRPr lang="fr-FR" dirty="0"/>
-          </a:p>
-        </p:txBody>
-      </p:sp>
-      <p:sp>
-        <p:nvSpPr>
-          <p:cNvPr id="3" name="ZoneTexte 2">
-            <a:extLst>
-              <a:ext uri="{FF2B5EF4-FFF2-40B4-BE49-F238E27FC236}">
-                <a16:creationId xmlns:a16="http://schemas.microsoft.com/office/drawing/2014/main" id="{E5786676-D1E6-3B7B-FA1B-8165DA4A2417}"/>
+          <p:cNvPr id="2" name="ZoneTexte 1">
+            <a:extLst>
+              <a:ext uri="{FF2B5EF4-FFF2-40B4-BE49-F238E27FC236}">
+                <a16:creationId xmlns:a16="http://schemas.microsoft.com/office/drawing/2014/main" id="{53AF740D-3F40-1AFE-7EEA-8293478622CF}"/>
               </a:ext>
             </a:extLst>
           </p:cNvPr>
@@ -9494,8 +9460,8 @@
         </p:nvSpPr>
         <p:spPr>
           <a:xfrm>
-            <a:off x="3987470" y="306699"/>
-            <a:ext cx="2135252" cy="430887"/>
+            <a:off x="3984493" y="359196"/>
+            <a:ext cx="4298269" cy="430887"/>
           </a:xfrm>
           <a:prstGeom prst="rect">
             <a:avLst/>
@@ -9514,15 +9480,7 @@
                   <a:schemeClr val="bg1"/>
                 </a:solidFill>
               </a:rPr>
-              <a:t>3. </a:t>
-            </a:r>
-            <a:r>
-              <a:rPr lang="fr-FR" sz="2200" b="1" dirty="0" err="1">
-                <a:solidFill>
-                  <a:schemeClr val="bg1"/>
-                </a:solidFill>
-              </a:rPr>
-              <a:t>Regression</a:t>
+              <a:t>3.  Modèle de classification</a:t>
             </a:r>
             <a:endParaRPr lang="en-US" sz="2200" b="1" dirty="0">
               <a:solidFill>
@@ -9534,10 +9492,10 @@
       </p:sp>
       <p:sp>
         <p:nvSpPr>
-          <p:cNvPr id="5" name="Rectangle 4">
-            <a:extLst>
-              <a:ext uri="{FF2B5EF4-FFF2-40B4-BE49-F238E27FC236}">
-                <a16:creationId xmlns:a16="http://schemas.microsoft.com/office/drawing/2014/main" id="{DC065117-A360-C67B-4FC0-123C5BEB4965}"/>
+          <p:cNvPr id="7" name="Rectangle 6">
+            <a:extLst>
+              <a:ext uri="{FF2B5EF4-FFF2-40B4-BE49-F238E27FC236}">
+                <a16:creationId xmlns:a16="http://schemas.microsoft.com/office/drawing/2014/main" id="{FAF784ED-3F0F-BD08-4E55-C4730F7B49CF}"/>
               </a:ext>
             </a:extLst>
           </p:cNvPr>
@@ -9546,8 +9504,8 @@
         </p:nvSpPr>
         <p:spPr>
           <a:xfrm>
-            <a:off x="3892097" y="266503"/>
-            <a:ext cx="2203903" cy="538569"/>
+            <a:off x="3889121" y="319000"/>
+            <a:ext cx="3808851" cy="538569"/>
           </a:xfrm>
           <a:prstGeom prst="rect">
             <a:avLst/>
@@ -9584,363 +9542,82 @@
           </a:p>
         </p:txBody>
       </p:sp>
-      <p:sp>
-        <p:nvSpPr>
-          <p:cNvPr id="10" name="ZoneTexte 9">
-            <a:extLst>
-              <a:ext uri="{FF2B5EF4-FFF2-40B4-BE49-F238E27FC236}">
-                <a16:creationId xmlns:a16="http://schemas.microsoft.com/office/drawing/2014/main" id="{C9E50411-3D7F-C5CA-513A-77B182376286}"/>
-              </a:ext>
-            </a:extLst>
-          </p:cNvPr>
-          <p:cNvSpPr txBox="1"/>
-          <p:nvPr/>
-        </p:nvSpPr>
-        <p:spPr>
-          <a:xfrm>
-            <a:off x="689304" y="1405497"/>
-            <a:ext cx="10516184" cy="1384995"/>
+      <p:pic>
+        <p:nvPicPr>
+          <p:cNvPr id="4" name="Image 3" descr="Une image contenant texte, Police, capture d’écran, ligne&#10;&#10;Description générée automatiquement">
+            <a:extLst>
+              <a:ext uri="{FF2B5EF4-FFF2-40B4-BE49-F238E27FC236}">
+                <a16:creationId xmlns:a16="http://schemas.microsoft.com/office/drawing/2014/main" id="{91EFA112-BE68-AB38-337F-D92C2A8F1928}"/>
+              </a:ext>
+            </a:extLst>
+          </p:cNvPr>
+          <p:cNvPicPr>
+            <a:picLocks noChangeAspect="1"/>
+          </p:cNvPicPr>
+          <p:nvPr/>
+        </p:nvPicPr>
+        <p:blipFill>
+          <a:blip r:embed="rId2">
+            <a:extLst>
+              <a:ext uri="{28A0092B-C50C-407E-A947-70E740481C1C}">
+                <a14:useLocalDpi xmlns:a14="http://schemas.microsoft.com/office/drawing/2010/main" val="0"/>
+              </a:ext>
+            </a:extLst>
+          </a:blip>
+          <a:stretch>
+            <a:fillRect/>
+          </a:stretch>
+        </p:blipFill>
+        <p:spPr>
+          <a:xfrm>
+            <a:off x="605091" y="2217956"/>
+            <a:ext cx="5915445" cy="1907476"/>
           </a:xfrm>
           <a:prstGeom prst="rect">
             <a:avLst/>
           </a:prstGeom>
-          <a:noFill/>
-        </p:spPr>
-        <p:txBody>
-          <a:bodyPr wrap="square">
-            <a:spAutoFit/>
-          </a:bodyPr>
-          <a:lstStyle/>
-          <a:p>
-            <a:r>
-              <a:rPr lang="fr-FR" sz="1400" dirty="0" err="1">
-                <a:solidFill>
-                  <a:schemeClr val="bg1"/>
-                </a:solidFill>
-                <a:sym typeface="Wingdings" panose="05000000000000000000" pitchFamily="2" charset="2"/>
-              </a:rPr>
-              <a:t>Regression</a:t>
-            </a:r>
-            <a:r>
-              <a:rPr lang="fr-FR" sz="1400" dirty="0">
-                <a:solidFill>
-                  <a:schemeClr val="bg1"/>
-                </a:solidFill>
-                <a:sym typeface="Wingdings" panose="05000000000000000000" pitchFamily="2" charset="2"/>
-              </a:rPr>
-              <a:t> : on somme les classes de sénescence </a:t>
-            </a:r>
-          </a:p>
-          <a:p>
-            <a:endParaRPr lang="fr-FR" sz="1400" dirty="0">
-              <a:solidFill>
-                <a:schemeClr val="bg1"/>
-              </a:solidFill>
-              <a:sym typeface="Wingdings" panose="05000000000000000000" pitchFamily="2" charset="2"/>
-            </a:endParaRPr>
-          </a:p>
-          <a:p>
-            <a:r>
-              <a:rPr lang="fr-FR" sz="1400" dirty="0">
-                <a:solidFill>
-                  <a:schemeClr val="bg1"/>
-                </a:solidFill>
-                <a:sym typeface="Wingdings" panose="05000000000000000000" pitchFamily="2" charset="2"/>
-              </a:rPr>
-              <a:t>On attribue à la première image (pas de stress hydrique) la valeur 0, correspondant à la somme S0 de ses niveaux de sénescence pondérés</a:t>
-            </a:r>
-          </a:p>
-          <a:p>
-            <a:r>
-              <a:rPr lang="fr-FR" sz="1400" dirty="0">
-                <a:solidFill>
-                  <a:schemeClr val="bg1"/>
-                </a:solidFill>
-                <a:sym typeface="Wingdings" panose="05000000000000000000" pitchFamily="2" charset="2"/>
-              </a:rPr>
-              <a:t>On attribue à la dernière image (stress hydrique maximum) la valeur 1, correspondant à la somme S1 de ses niveaux de sénescence pondérés</a:t>
-            </a:r>
-            <a:endParaRPr lang="fr-FR" sz="1400" dirty="0">
-              <a:solidFill>
-                <a:schemeClr val="bg1"/>
-              </a:solidFill>
-            </a:endParaRPr>
-          </a:p>
-          <a:p>
-            <a:endParaRPr lang="fr-FR" sz="1400" dirty="0">
-              <a:solidFill>
-                <a:schemeClr val="bg1"/>
-              </a:solidFill>
-            </a:endParaRPr>
-          </a:p>
-          <a:p>
-            <a:endParaRPr lang="en-US" sz="1400" dirty="0"/>
-          </a:p>
-        </p:txBody>
-      </p:sp>
-      <mc:AlternateContent xmlns:mc="http://schemas.openxmlformats.org/markup-compatibility/2006">
-        <mc:Choice xmlns:a14="http://schemas.microsoft.com/office/drawing/2010/main" Requires="a14">
-          <p:sp>
-            <p:nvSpPr>
-              <p:cNvPr id="6" name="ZoneTexte 5">
-                <a:extLst>
-                  <a:ext uri="{FF2B5EF4-FFF2-40B4-BE49-F238E27FC236}">
-                    <a16:creationId xmlns:a16="http://schemas.microsoft.com/office/drawing/2014/main" id="{F9C52A5D-D3A1-5DED-B30B-51A9C5B74078}"/>
-                  </a:ext>
-                </a:extLst>
-              </p:cNvPr>
-              <p:cNvSpPr txBox="1"/>
-              <p:nvPr/>
-            </p:nvSpPr>
-            <p:spPr>
-              <a:xfrm>
-                <a:off x="522727" y="3390917"/>
-                <a:ext cx="10516184" cy="874535"/>
-              </a:xfrm>
-              <a:prstGeom prst="rect">
-                <a:avLst/>
-              </a:prstGeom>
-              <a:noFill/>
-            </p:spPr>
-            <p:txBody>
-              <a:bodyPr wrap="square">
-                <a:spAutoFit/>
-              </a:bodyPr>
-              <a:lstStyle/>
-              <a:p>
-                <a:r>
-                  <a:rPr lang="fr-FR" sz="1400" dirty="0">
-                    <a:solidFill>
-                      <a:schemeClr val="bg1"/>
-                    </a:solidFill>
-                    <a:sym typeface="Wingdings" panose="05000000000000000000" pitchFamily="2" charset="2"/>
-                  </a:rPr>
-                  <a:t>Niveau de stress hydrique = </a:t>
-                </a:r>
-                <a14:m>
-                  <m:oMath xmlns:m="http://schemas.openxmlformats.org/officeDocument/2006/math">
-                    <m:f>
-                      <m:fPr>
-                        <m:ctrlPr>
-                          <a:rPr lang="fr-FR" sz="1600" i="1" smtClean="0">
-                            <a:solidFill>
-                              <a:schemeClr val="bg1"/>
-                            </a:solidFill>
-                            <a:latin typeface="Cambria Math" panose="02040503050406030204" pitchFamily="18" charset="0"/>
-                            <a:sym typeface="Wingdings" panose="05000000000000000000" pitchFamily="2" charset="2"/>
-                          </a:rPr>
-                        </m:ctrlPr>
-                      </m:fPr>
-                      <m:num>
-                        <m:r>
-                          <a:rPr lang="fr-FR" sz="1600" b="0" i="1" smtClean="0">
-                            <a:solidFill>
-                              <a:schemeClr val="bg1"/>
-                            </a:solidFill>
-                            <a:latin typeface="Cambria Math" panose="02040503050406030204" pitchFamily="18" charset="0"/>
-                            <a:sym typeface="Wingdings" panose="05000000000000000000" pitchFamily="2" charset="2"/>
-                          </a:rPr>
-                          <m:t>𝑆</m:t>
-                        </m:r>
-                        <m:r>
-                          <a:rPr lang="fr-FR" sz="1600" b="0" i="1" smtClean="0">
-                            <a:solidFill>
-                              <a:schemeClr val="bg1"/>
-                            </a:solidFill>
-                            <a:latin typeface="Cambria Math" panose="02040503050406030204" pitchFamily="18" charset="0"/>
-                            <a:sym typeface="Wingdings" panose="05000000000000000000" pitchFamily="2" charset="2"/>
-                          </a:rPr>
-                          <m:t> −</m:t>
-                        </m:r>
-                        <m:r>
-                          <a:rPr lang="fr-FR" sz="1600" b="0" i="1" smtClean="0">
-                            <a:solidFill>
-                              <a:schemeClr val="bg1"/>
-                            </a:solidFill>
-                            <a:latin typeface="Cambria Math" panose="02040503050406030204" pitchFamily="18" charset="0"/>
-                            <a:sym typeface="Wingdings" panose="05000000000000000000" pitchFamily="2" charset="2"/>
-                          </a:rPr>
-                          <m:t>𝑆</m:t>
-                        </m:r>
-                        <m:r>
-                          <a:rPr lang="fr-FR" sz="1600" b="0" i="1" smtClean="0">
-                            <a:solidFill>
-                              <a:schemeClr val="bg1"/>
-                            </a:solidFill>
-                            <a:latin typeface="Cambria Math" panose="02040503050406030204" pitchFamily="18" charset="0"/>
-                            <a:sym typeface="Wingdings" panose="05000000000000000000" pitchFamily="2" charset="2"/>
-                          </a:rPr>
-                          <m:t>1</m:t>
-                        </m:r>
-                      </m:num>
-                      <m:den>
-                        <m:r>
-                          <a:rPr lang="fr-FR" sz="1600" b="0" i="1" smtClean="0">
-                            <a:solidFill>
-                              <a:schemeClr val="bg1"/>
-                            </a:solidFill>
-                            <a:latin typeface="Cambria Math" panose="02040503050406030204" pitchFamily="18" charset="0"/>
-                            <a:sym typeface="Wingdings" panose="05000000000000000000" pitchFamily="2" charset="2"/>
-                          </a:rPr>
-                          <m:t>𝑆</m:t>
-                        </m:r>
-                        <m:r>
-                          <a:rPr lang="fr-FR" sz="1600" b="0" i="1" smtClean="0">
-                            <a:solidFill>
-                              <a:schemeClr val="bg1"/>
-                            </a:solidFill>
-                            <a:latin typeface="Cambria Math" panose="02040503050406030204" pitchFamily="18" charset="0"/>
-                            <a:sym typeface="Wingdings" panose="05000000000000000000" pitchFamily="2" charset="2"/>
-                          </a:rPr>
-                          <m:t>0−</m:t>
-                        </m:r>
-                        <m:r>
-                          <a:rPr lang="fr-FR" sz="1600" i="1">
-                            <a:solidFill>
-                              <a:schemeClr val="bg1"/>
-                            </a:solidFill>
-                            <a:latin typeface="Cambria Math" panose="02040503050406030204" pitchFamily="18" charset="0"/>
-                            <a:sym typeface="Wingdings" panose="05000000000000000000" pitchFamily="2" charset="2"/>
-                          </a:rPr>
-                          <m:t>𝑆</m:t>
-                        </m:r>
-                        <m:r>
-                          <a:rPr lang="fr-FR" sz="1600" i="1">
-                            <a:solidFill>
-                              <a:schemeClr val="bg1"/>
-                            </a:solidFill>
-                            <a:latin typeface="Cambria Math" panose="02040503050406030204" pitchFamily="18" charset="0"/>
-                            <a:sym typeface="Wingdings" panose="05000000000000000000" pitchFamily="2" charset="2"/>
-                          </a:rPr>
-                          <m:t>1</m:t>
-                        </m:r>
-                      </m:den>
-                    </m:f>
-                  </m:oMath>
-                </a14:m>
-                <a:r>
-                  <a:rPr lang="fr-FR" sz="1400" dirty="0">
-                    <a:solidFill>
-                      <a:schemeClr val="bg1"/>
-                    </a:solidFill>
-                  </a:rPr>
-                  <a:t>                               avec S la somme pondérée des niveaux de sénescence de l’image de la plante</a:t>
-                </a:r>
-              </a:p>
-              <a:p>
-                <a:endParaRPr lang="fr-FR" sz="1400" dirty="0">
-                  <a:solidFill>
-                    <a:schemeClr val="bg1"/>
-                  </a:solidFill>
-                </a:endParaRPr>
-              </a:p>
-              <a:p>
-                <a:endParaRPr lang="en-US" sz="1400" dirty="0"/>
-              </a:p>
-            </p:txBody>
-          </p:sp>
-        </mc:Choice>
-        <mc:Fallback>
-          <p:sp>
-            <p:nvSpPr>
-              <p:cNvPr id="6" name="ZoneTexte 5">
-                <a:extLst>
-                  <a:ext uri="{FF2B5EF4-FFF2-40B4-BE49-F238E27FC236}">
-                    <a16:creationId xmlns:a16="http://schemas.microsoft.com/office/drawing/2014/main" id="{F9C52A5D-D3A1-5DED-B30B-51A9C5B74078}"/>
-                  </a:ext>
-                </a:extLst>
-              </p:cNvPr>
-              <p:cNvSpPr txBox="1">
-                <a:spLocks noRot="1" noChangeAspect="1" noMove="1" noResize="1" noEditPoints="1" noAdjustHandles="1" noChangeArrowheads="1" noChangeShapeType="1" noTextEdit="1"/>
-              </p:cNvSpPr>
-              <p:nvPr/>
-            </p:nvSpPr>
-            <p:spPr>
-              <a:xfrm>
-                <a:off x="522727" y="3390917"/>
-                <a:ext cx="10516184" cy="874535"/>
-              </a:xfrm>
-              <a:prstGeom prst="rect">
-                <a:avLst/>
-              </a:prstGeom>
-              <a:blipFill>
-                <a:blip r:embed="rId2"/>
-                <a:stretch>
-                  <a:fillRect l="-174"/>
-                </a:stretch>
-              </a:blipFill>
-            </p:spPr>
-            <p:txBody>
-              <a:bodyPr/>
-              <a:lstStyle/>
-              <a:p>
-                <a:r>
-                  <a:rPr lang="en-US">
-                    <a:noFill/>
-                  </a:rPr>
-                  <a:t> </a:t>
-                </a:r>
-              </a:p>
-            </p:txBody>
-          </p:sp>
-        </mc:Fallback>
-      </mc:AlternateContent>
-      <p:sp>
-        <p:nvSpPr>
-          <p:cNvPr id="9" name="Rectangle 8">
-            <a:extLst>
-              <a:ext uri="{FF2B5EF4-FFF2-40B4-BE49-F238E27FC236}">
-                <a16:creationId xmlns:a16="http://schemas.microsoft.com/office/drawing/2014/main" id="{051C5EC4-5ED5-3555-43B8-647247992BDB}"/>
-              </a:ext>
-            </a:extLst>
-          </p:cNvPr>
-          <p:cNvSpPr/>
-          <p:nvPr/>
-        </p:nvSpPr>
-        <p:spPr>
-          <a:xfrm>
-            <a:off x="440052" y="3130213"/>
-            <a:ext cx="3036796" cy="937296"/>
+        </p:spPr>
+      </p:pic>
+      <p:pic>
+        <p:nvPicPr>
+          <p:cNvPr id="6" name="Image 5" descr="Une image contenant texte, capture d’écran, Police, nombre&#10;&#10;Description générée automatiquement">
+            <a:extLst>
+              <a:ext uri="{FF2B5EF4-FFF2-40B4-BE49-F238E27FC236}">
+                <a16:creationId xmlns:a16="http://schemas.microsoft.com/office/drawing/2014/main" id="{C2352EE6-0FA2-8A62-9284-06FFA7B66762}"/>
+              </a:ext>
+            </a:extLst>
+          </p:cNvPr>
+          <p:cNvPicPr>
+            <a:picLocks noChangeAspect="1"/>
+          </p:cNvPicPr>
+          <p:nvPr/>
+        </p:nvPicPr>
+        <p:blipFill>
+          <a:blip r:embed="rId3">
+            <a:extLst>
+              <a:ext uri="{28A0092B-C50C-407E-A947-70E740481C1C}">
+                <a14:useLocalDpi xmlns:a14="http://schemas.microsoft.com/office/drawing/2010/main" val="0"/>
+              </a:ext>
+            </a:extLst>
+          </a:blip>
+          <a:stretch>
+            <a:fillRect/>
+          </a:stretch>
+        </p:blipFill>
+        <p:spPr>
+          <a:xfrm>
+            <a:off x="7600755" y="2140307"/>
+            <a:ext cx="3521168" cy="2062774"/>
           </a:xfrm>
           <a:prstGeom prst="rect">
             <a:avLst/>
           </a:prstGeom>
-          <a:noFill/>
-          <a:ln>
-            <a:solidFill>
-              <a:schemeClr val="bg1"/>
-            </a:solidFill>
-          </a:ln>
-        </p:spPr>
-        <p:style>
-          <a:lnRef idx="2">
-            <a:schemeClr val="accent1">
-              <a:shade val="15000"/>
-            </a:schemeClr>
-          </a:lnRef>
-          <a:fillRef idx="1">
-            <a:schemeClr val="accent1"/>
-          </a:fillRef>
-          <a:effectRef idx="0">
-            <a:schemeClr val="accent1"/>
-          </a:effectRef>
-          <a:fontRef idx="minor">
-            <a:schemeClr val="lt1"/>
-          </a:fontRef>
-        </p:style>
-        <p:txBody>
-          <a:bodyPr rtlCol="0" anchor="ctr"/>
-          <a:lstStyle/>
-          <a:p>
-            <a:pPr algn="ctr"/>
-            <a:endParaRPr lang="en-US" sz="2200" dirty="0"/>
-          </a:p>
-        </p:txBody>
-      </p:sp>
+        </p:spPr>
+      </p:pic>
     </p:spTree>
     <p:extLst>
       <p:ext uri="{BB962C8B-B14F-4D97-AF65-F5344CB8AC3E}">
-        <p14:creationId xmlns:p14="http://schemas.microsoft.com/office/powerpoint/2010/main" val="1908301169"/>
+        <p14:creationId xmlns:p14="http://schemas.microsoft.com/office/powerpoint/2010/main" val="909314152"/>
       </p:ext>
     </p:extLst>
   </p:cSld>
